--- a/_site/labs/Lab05/Lab05.pptx
+++ b/_site/labs/Lab05/Lab05.pptx
@@ -7,6 +7,22 @@
   <p:sldIdLst>
     <p:sldId id="256" r:id="rId2"/>
     <p:sldId id="257" r:id="rId3"/>
+    <p:sldId id="258" r:id="rId4"/>
+    <p:sldId id="259" r:id="rId5"/>
+    <p:sldId id="260" r:id="rId6"/>
+    <p:sldId id="261" r:id="rId7"/>
+    <p:sldId id="262" r:id="rId8"/>
+    <p:sldId id="263" r:id="rId9"/>
+    <p:sldId id="264" r:id="rId10"/>
+    <p:sldId id="265" r:id="rId11"/>
+    <p:sldId id="266" r:id="rId12"/>
+    <p:sldId id="267" r:id="rId13"/>
+    <p:sldId id="268" r:id="rId14"/>
+    <p:sldId id="269" r:id="rId15"/>
+    <p:sldId id="270" r:id="rId16"/>
+    <p:sldId id="271" r:id="rId17"/>
+    <p:sldId id="272" r:id="rId18"/>
+    <p:sldId id="273" r:id="rId19"/>
   </p:sldIdLst>
   <p:sldSz cx="12192000" cy="6858000"/>
   <p:notesSz cx="6858000" cy="9144000"/>
@@ -4924,11 +4940,804 @@
             <a:pPr lvl="0" indent="0" marL="0">
               <a:buNone/>
             </a:pPr>
+            <a:r>
+              <a:rPr/>
+              <a:t>Power Calculations</a:t>
+            </a:r>
             <a:br/>
             <a:br/>
             <a:r>
               <a:rPr/>
               <a:t>Dr. Gordon Wright</a:t>
+            </a:r>
+          </a:p>
+        </p:txBody>
+      </p:sp>
+    </p:spTree>
+  </p:cSld>
+</p:sld>
+</file>
+
+<file path=ppt/slides/slide10.xml><?xml version="1.0" encoding="utf-8"?>
+<p:sld xmlns:a="http://schemas.openxmlformats.org/drawingml/2006/main" xmlns:r="http://schemas.openxmlformats.org/officeDocument/2006/relationships" xmlns:p="http://schemas.openxmlformats.org/presentationml/2006/main">
+  <p:cSld>
+    <p:spTree>
+      <p:nvGrpSpPr>
+        <p:cNvPr id="1" name=""/>
+        <p:cNvGrpSpPr/>
+        <p:nvPr/>
+      </p:nvGrpSpPr>
+      <p:grpSpPr>
+        <a:xfrm>
+          <a:off x="0" y="0"/>
+          <a:ext cx="0" cy="0"/>
+          <a:chOff x="0" y="0"/>
+          <a:chExt cx="0" cy="0"/>
+        </a:xfrm>
+      </p:grpSpPr>
+      <p:sp>
+        <p:nvSpPr>
+          <p:cNvPr id="2" name="Title 1">
+            <a:extLst>
+              <a:ext uri="{FF2B5EF4-FFF2-40B4-BE49-F238E27FC236}">
+                <a16:creationId xmlns:a16="http://schemas.microsoft.com/office/drawing/2014/main" id="{DD9B8E45-0772-954C-8D4B-6E6808DFEDED}"/>
+              </a:ext>
+            </a:extLst>
+          </p:cNvPr>
+          <p:cNvSpPr>
+            <a:spLocks noGrp="1"/>
+          </p:cNvSpPr>
+          <p:nvPr>
+            <p:ph type="title"/>
+          </p:nvPr>
+        </p:nvSpPr>
+        <p:spPr>
+          <a:xfrm>
+            <a:off x="838200" y="365129"/>
+            <a:ext cx="10002520" cy="1325563"/>
+          </a:xfrm>
+          <a:prstGeom prst="rect">
+            <a:avLst/>
+          </a:prstGeom>
+        </p:spPr>
+        <p:txBody>
+          <a:bodyPr/>
+          <a:lstStyle/>
+          <a:p>
+            <a:pPr lvl="0" indent="0" marL="0">
+              <a:buNone/>
+            </a:pPr>
+            <a:r>
+              <a:rPr/>
+              <a:t>2 - Mixed design (looking at a between main effect)</a:t>
+            </a:r>
+          </a:p>
+        </p:txBody>
+      </p:sp>
+      <p:pic>
+        <p:nvPicPr>
+          <p:cNvPr descr="images/paste-B14DCB46.png" id="0" name="Picture 1"/>
+          <p:cNvPicPr>
+            <a:picLocks noGrp="1" noChangeAspect="1"/>
+          </p:cNvPicPr>
+          <p:nvPr/>
+        </p:nvPicPr>
+        <p:blipFill>
+          <a:blip r:embed="rId2"/>
+          <a:stretch>
+            <a:fillRect/>
+          </a:stretch>
+        </p:blipFill>
+        <p:spPr bwMode="auto">
+          <a:xfrm>
+            <a:off x="1968500" y="1816100"/>
+            <a:ext cx="8255000" cy="4343400"/>
+          </a:xfrm>
+          <a:prstGeom prst="rect">
+            <a:avLst/>
+          </a:prstGeom>
+          <a:noFill/>
+          <a:ln w="9525">
+            <a:noFill/>
+            <a:headEnd/>
+            <a:tailEnd/>
+          </a:ln>
+        </p:spPr>
+      </p:pic>
+    </p:spTree>
+  </p:cSld>
+</p:sld>
+</file>
+
+<file path=ppt/slides/slide11.xml><?xml version="1.0" encoding="utf-8"?>
+<p:sld xmlns:a="http://schemas.openxmlformats.org/drawingml/2006/main" xmlns:r="http://schemas.openxmlformats.org/officeDocument/2006/relationships" xmlns:p="http://schemas.openxmlformats.org/presentationml/2006/main">
+  <p:cSld>
+    <p:spTree>
+      <p:nvGrpSpPr>
+        <p:cNvPr id="1" name=""/>
+        <p:cNvGrpSpPr/>
+        <p:nvPr/>
+      </p:nvGrpSpPr>
+      <p:grpSpPr>
+        <a:xfrm>
+          <a:off x="0" y="0"/>
+          <a:ext cx="0" cy="0"/>
+          <a:chOff x="0" y="0"/>
+          <a:chExt cx="0" cy="0"/>
+        </a:xfrm>
+      </p:grpSpPr>
+      <p:sp>
+        <p:nvSpPr>
+          <p:cNvPr id="2" name="Title 1">
+            <a:extLst>
+              <a:ext uri="{FF2B5EF4-FFF2-40B4-BE49-F238E27FC236}">
+                <a16:creationId xmlns:a16="http://schemas.microsoft.com/office/drawing/2014/main" id="{DD9B8E45-0772-954C-8D4B-6E6808DFEDED}"/>
+              </a:ext>
+            </a:extLst>
+          </p:cNvPr>
+          <p:cNvSpPr>
+            <a:spLocks noGrp="1"/>
+          </p:cNvSpPr>
+          <p:nvPr>
+            <p:ph type="title"/>
+          </p:nvPr>
+        </p:nvSpPr>
+        <p:spPr>
+          <a:xfrm>
+            <a:off x="838200" y="365129"/>
+            <a:ext cx="10002520" cy="1325563"/>
+          </a:xfrm>
+          <a:prstGeom prst="rect">
+            <a:avLst/>
+          </a:prstGeom>
+        </p:spPr>
+        <p:txBody>
+          <a:bodyPr/>
+          <a:lstStyle/>
+          <a:p>
+            <a:pPr lvl="0" indent="0" marL="0">
+              <a:buNone/>
+            </a:pPr>
+            <a:r>
+              <a:rPr/>
+              <a:t>graph</a:t>
+            </a:r>
+          </a:p>
+        </p:txBody>
+      </p:sp>
+      <p:pic>
+        <p:nvPicPr>
+          <p:cNvPr descr="images/paste-BCAAA13C.png" id="0" name="Picture 1"/>
+          <p:cNvPicPr>
+            <a:picLocks noGrp="1" noChangeAspect="1"/>
+          </p:cNvPicPr>
+          <p:nvPr/>
+        </p:nvPicPr>
+        <p:blipFill>
+          <a:blip r:embed="rId2"/>
+          <a:stretch>
+            <a:fillRect/>
+          </a:stretch>
+        </p:blipFill>
+        <p:spPr bwMode="auto">
+          <a:xfrm>
+            <a:off x="838200" y="1854200"/>
+            <a:ext cx="10515600" cy="4279900"/>
+          </a:xfrm>
+          <a:prstGeom prst="rect">
+            <a:avLst/>
+          </a:prstGeom>
+          <a:noFill/>
+          <a:ln w="9525">
+            <a:noFill/>
+            <a:headEnd/>
+            <a:tailEnd/>
+          </a:ln>
+        </p:spPr>
+      </p:pic>
+    </p:spTree>
+  </p:cSld>
+</p:sld>
+</file>
+
+<file path=ppt/slides/slide12.xml><?xml version="1.0" encoding="utf-8"?>
+<p:sld xmlns:a="http://schemas.openxmlformats.org/drawingml/2006/main" xmlns:r="http://schemas.openxmlformats.org/officeDocument/2006/relationships" xmlns:p="http://schemas.openxmlformats.org/presentationml/2006/main">
+  <p:cSld>
+    <p:spTree>
+      <p:nvGrpSpPr>
+        <p:cNvPr id="1" name=""/>
+        <p:cNvGrpSpPr/>
+        <p:nvPr/>
+      </p:nvGrpSpPr>
+      <p:grpSpPr>
+        <a:xfrm>
+          <a:off x="0" y="0"/>
+          <a:ext cx="0" cy="0"/>
+          <a:chOff x="0" y="0"/>
+          <a:chExt cx="0" cy="0"/>
+        </a:xfrm>
+      </p:grpSpPr>
+      <p:sp>
+        <p:nvSpPr>
+          <p:cNvPr id="2" name="Title 1">
+            <a:extLst>
+              <a:ext uri="{FF2B5EF4-FFF2-40B4-BE49-F238E27FC236}">
+                <a16:creationId xmlns:a16="http://schemas.microsoft.com/office/drawing/2014/main" id="{DD9B8E45-0772-954C-8D4B-6E6808DFEDED}"/>
+              </a:ext>
+            </a:extLst>
+          </p:cNvPr>
+          <p:cNvSpPr>
+            <a:spLocks noGrp="1"/>
+          </p:cNvSpPr>
+          <p:nvPr>
+            <p:ph type="title"/>
+          </p:nvPr>
+        </p:nvSpPr>
+        <p:spPr>
+          <a:xfrm>
+            <a:off x="838200" y="365129"/>
+            <a:ext cx="10002520" cy="1325563"/>
+          </a:xfrm>
+          <a:prstGeom prst="rect">
+            <a:avLst/>
+          </a:prstGeom>
+        </p:spPr>
+        <p:txBody>
+          <a:bodyPr/>
+          <a:lstStyle/>
+          <a:p>
+            <a:pPr lvl="0" indent="0" marL="0">
+              <a:buNone/>
+            </a:pPr>
+            <a:r>
+              <a:rPr/>
+              <a:t>3 - Mixed design (looking at within main effect)</a:t>
+            </a:r>
+          </a:p>
+        </p:txBody>
+      </p:sp>
+      <p:pic>
+        <p:nvPicPr>
+          <p:cNvPr descr="images/paste-F1B6784F.png" id="0" name="Picture 1"/>
+          <p:cNvPicPr>
+            <a:picLocks noGrp="1" noChangeAspect="1"/>
+          </p:cNvPicPr>
+          <p:nvPr/>
+        </p:nvPicPr>
+        <p:blipFill>
+          <a:blip r:embed="rId2"/>
+          <a:stretch>
+            <a:fillRect/>
+          </a:stretch>
+        </p:blipFill>
+        <p:spPr bwMode="auto">
+          <a:xfrm>
+            <a:off x="2197100" y="1816100"/>
+            <a:ext cx="7797800" cy="4343400"/>
+          </a:xfrm>
+          <a:prstGeom prst="rect">
+            <a:avLst/>
+          </a:prstGeom>
+          <a:noFill/>
+          <a:ln w="9525">
+            <a:noFill/>
+            <a:headEnd/>
+            <a:tailEnd/>
+          </a:ln>
+        </p:spPr>
+      </p:pic>
+    </p:spTree>
+  </p:cSld>
+</p:sld>
+</file>
+
+<file path=ppt/slides/slide13.xml><?xml version="1.0" encoding="utf-8"?>
+<p:sld xmlns:a="http://schemas.openxmlformats.org/drawingml/2006/main" xmlns:r="http://schemas.openxmlformats.org/officeDocument/2006/relationships" xmlns:p="http://schemas.openxmlformats.org/presentationml/2006/main">
+  <p:cSld>
+    <p:spTree>
+      <p:nvGrpSpPr>
+        <p:cNvPr id="1" name=""/>
+        <p:cNvGrpSpPr/>
+        <p:nvPr/>
+      </p:nvGrpSpPr>
+      <p:grpSpPr>
+        <a:xfrm>
+          <a:off x="0" y="0"/>
+          <a:ext cx="0" cy="0"/>
+          <a:chOff x="0" y="0"/>
+          <a:chExt cx="0" cy="0"/>
+        </a:xfrm>
+      </p:grpSpPr>
+      <p:pic>
+        <p:nvPicPr>
+          <p:cNvPr descr="images/paste-283D340A.png" id="0" name="Picture 1"/>
+          <p:cNvPicPr>
+            <a:picLocks noGrp="1" noChangeAspect="1"/>
+          </p:cNvPicPr>
+          <p:nvPr/>
+        </p:nvPicPr>
+        <p:blipFill>
+          <a:blip r:embed="rId2"/>
+          <a:stretch>
+            <a:fillRect/>
+          </a:stretch>
+        </p:blipFill>
+        <p:spPr bwMode="auto">
+          <a:xfrm>
+            <a:off x="838200" y="1879600"/>
+            <a:ext cx="10515600" cy="4216400"/>
+          </a:xfrm>
+          <a:prstGeom prst="rect">
+            <a:avLst/>
+          </a:prstGeom>
+          <a:noFill/>
+          <a:ln w="9525">
+            <a:noFill/>
+            <a:headEnd/>
+            <a:tailEnd/>
+          </a:ln>
+        </p:spPr>
+      </p:pic>
+    </p:spTree>
+  </p:cSld>
+</p:sld>
+</file>
+
+<file path=ppt/slides/slide14.xml><?xml version="1.0" encoding="utf-8"?>
+<p:sld xmlns:a="http://schemas.openxmlformats.org/drawingml/2006/main" xmlns:r="http://schemas.openxmlformats.org/officeDocument/2006/relationships" xmlns:p="http://schemas.openxmlformats.org/presentationml/2006/main">
+  <p:cSld>
+    <p:spTree>
+      <p:nvGrpSpPr>
+        <p:cNvPr id="1" name=""/>
+        <p:cNvGrpSpPr/>
+        <p:nvPr/>
+      </p:nvGrpSpPr>
+      <p:grpSpPr>
+        <a:xfrm>
+          <a:off x="0" y="0"/>
+          <a:ext cx="0" cy="0"/>
+          <a:chOff x="0" y="0"/>
+          <a:chExt cx="0" cy="0"/>
+        </a:xfrm>
+      </p:grpSpPr>
+      <p:sp>
+        <p:nvSpPr>
+          <p:cNvPr id="2" name="Title 1">
+            <a:extLst>
+              <a:ext uri="{FF2B5EF4-FFF2-40B4-BE49-F238E27FC236}">
+                <a16:creationId xmlns:a16="http://schemas.microsoft.com/office/drawing/2014/main" id="{DD9B8E45-0772-954C-8D4B-6E6808DFEDED}"/>
+              </a:ext>
+            </a:extLst>
+          </p:cNvPr>
+          <p:cNvSpPr>
+            <a:spLocks noGrp="1"/>
+          </p:cNvSpPr>
+          <p:nvPr>
+            <p:ph type="title"/>
+          </p:nvPr>
+        </p:nvSpPr>
+        <p:spPr>
+          <a:xfrm>
+            <a:off x="838200" y="365129"/>
+            <a:ext cx="10002520" cy="1325563"/>
+          </a:xfrm>
+          <a:prstGeom prst="rect">
+            <a:avLst/>
+          </a:prstGeom>
+        </p:spPr>
+        <p:txBody>
+          <a:bodyPr/>
+          <a:lstStyle/>
+          <a:p>
+            <a:pPr lvl="0" indent="0" marL="0">
+              <a:buNone/>
+            </a:pPr>
+            <a:r>
+              <a:rPr/>
+              <a:t>4 - Mixed design (looking at interaction effect)</a:t>
+            </a:r>
+          </a:p>
+        </p:txBody>
+      </p:sp>
+      <p:pic>
+        <p:nvPicPr>
+          <p:cNvPr descr="images/paste-727CBA38.png" id="0" name="Picture 1"/>
+          <p:cNvPicPr>
+            <a:picLocks noGrp="1" noChangeAspect="1"/>
+          </p:cNvPicPr>
+          <p:nvPr/>
+        </p:nvPicPr>
+        <p:blipFill>
+          <a:blip r:embed="rId2"/>
+          <a:stretch>
+            <a:fillRect/>
+          </a:stretch>
+        </p:blipFill>
+        <p:spPr bwMode="auto">
+          <a:xfrm>
+            <a:off x="2184400" y="1816100"/>
+            <a:ext cx="7823200" cy="4343400"/>
+          </a:xfrm>
+          <a:prstGeom prst="rect">
+            <a:avLst/>
+          </a:prstGeom>
+          <a:noFill/>
+          <a:ln w="9525">
+            <a:noFill/>
+            <a:headEnd/>
+            <a:tailEnd/>
+          </a:ln>
+        </p:spPr>
+      </p:pic>
+    </p:spTree>
+  </p:cSld>
+</p:sld>
+</file>
+
+<file path=ppt/slides/slide15.xml><?xml version="1.0" encoding="utf-8"?>
+<p:sld xmlns:a="http://schemas.openxmlformats.org/drawingml/2006/main" xmlns:r="http://schemas.openxmlformats.org/officeDocument/2006/relationships" xmlns:p="http://schemas.openxmlformats.org/presentationml/2006/main">
+  <p:cSld>
+    <p:spTree>
+      <p:nvGrpSpPr>
+        <p:cNvPr id="1" name=""/>
+        <p:cNvGrpSpPr/>
+        <p:nvPr/>
+      </p:nvGrpSpPr>
+      <p:grpSpPr>
+        <a:xfrm>
+          <a:off x="0" y="0"/>
+          <a:ext cx="0" cy="0"/>
+          <a:chOff x="0" y="0"/>
+          <a:chExt cx="0" cy="0"/>
+        </a:xfrm>
+      </p:grpSpPr>
+      <p:sp>
+        <p:nvSpPr>
+          <p:cNvPr id="2" name="Title 1">
+            <a:extLst>
+              <a:ext uri="{FF2B5EF4-FFF2-40B4-BE49-F238E27FC236}">
+                <a16:creationId xmlns:a16="http://schemas.microsoft.com/office/drawing/2014/main" id="{DD9B8E45-0772-954C-8D4B-6E6808DFEDED}"/>
+              </a:ext>
+            </a:extLst>
+          </p:cNvPr>
+          <p:cNvSpPr>
+            <a:spLocks noGrp="1"/>
+          </p:cNvSpPr>
+          <p:nvPr>
+            <p:ph type="title"/>
+          </p:nvPr>
+        </p:nvSpPr>
+        <p:spPr>
+          <a:xfrm>
+            <a:off x="838200" y="365129"/>
+            <a:ext cx="10002520" cy="1325563"/>
+          </a:xfrm>
+          <a:prstGeom prst="rect">
+            <a:avLst/>
+          </a:prstGeom>
+        </p:spPr>
+        <p:txBody>
+          <a:bodyPr/>
+          <a:lstStyle/>
+          <a:p>
+            <a:pPr lvl="0" indent="0" marL="0">
+              <a:buNone/>
+            </a:pPr>
+            <a:r>
+              <a:rPr/>
+              <a:t>graph</a:t>
+            </a:r>
+          </a:p>
+        </p:txBody>
+      </p:sp>
+      <p:pic>
+        <p:nvPicPr>
+          <p:cNvPr descr="images/paste-CBFE9163.png" id="0" name="Picture 1"/>
+          <p:cNvPicPr>
+            <a:picLocks noGrp="1" noChangeAspect="1"/>
+          </p:cNvPicPr>
+          <p:nvPr/>
+        </p:nvPicPr>
+        <p:blipFill>
+          <a:blip r:embed="rId2"/>
+          <a:stretch>
+            <a:fillRect/>
+          </a:stretch>
+        </p:blipFill>
+        <p:spPr bwMode="auto">
+          <a:xfrm>
+            <a:off x="838200" y="1841500"/>
+            <a:ext cx="10515600" cy="4305300"/>
+          </a:xfrm>
+          <a:prstGeom prst="rect">
+            <a:avLst/>
+          </a:prstGeom>
+          <a:noFill/>
+          <a:ln w="9525">
+            <a:noFill/>
+            <a:headEnd/>
+            <a:tailEnd/>
+          </a:ln>
+        </p:spPr>
+      </p:pic>
+    </p:spTree>
+  </p:cSld>
+</p:sld>
+</file>
+
+<file path=ppt/slides/slide16.xml><?xml version="1.0" encoding="utf-8"?>
+<p:sld xmlns:a="http://schemas.openxmlformats.org/drawingml/2006/main" xmlns:r="http://schemas.openxmlformats.org/officeDocument/2006/relationships" xmlns:p="http://schemas.openxmlformats.org/presentationml/2006/main">
+  <p:cSld>
+    <p:spTree>
+      <p:nvGrpSpPr>
+        <p:cNvPr id="1" name=""/>
+        <p:cNvGrpSpPr/>
+        <p:nvPr/>
+      </p:nvGrpSpPr>
+      <p:grpSpPr>
+        <a:xfrm>
+          <a:off x="0" y="0"/>
+          <a:ext cx="0" cy="0"/>
+          <a:chOff x="0" y="0"/>
+          <a:chExt cx="0" cy="0"/>
+        </a:xfrm>
+      </p:grpSpPr>
+      <p:sp>
+        <p:nvSpPr>
+          <p:cNvPr id="2" name="Title 1">
+            <a:extLst>
+              <a:ext uri="{FF2B5EF4-FFF2-40B4-BE49-F238E27FC236}">
+                <a16:creationId xmlns:a16="http://schemas.microsoft.com/office/drawing/2014/main" id="{DD9B8E45-0772-954C-8D4B-6E6808DFEDED}"/>
+              </a:ext>
+            </a:extLst>
+          </p:cNvPr>
+          <p:cNvSpPr>
+            <a:spLocks noGrp="1"/>
+          </p:cNvSpPr>
+          <p:nvPr>
+            <p:ph type="title"/>
+          </p:nvPr>
+        </p:nvSpPr>
+        <p:spPr>
+          <a:xfrm>
+            <a:off x="838200" y="365129"/>
+            <a:ext cx="10002520" cy="1325563"/>
+          </a:xfrm>
+          <a:prstGeom prst="rect">
+            <a:avLst/>
+          </a:prstGeom>
+        </p:spPr>
+        <p:txBody>
+          <a:bodyPr/>
+          <a:lstStyle/>
+          <a:p>
+            <a:pPr lvl="0" indent="0" marL="0">
+              <a:buNone/>
+            </a:pPr>
+            <a:r>
+              <a:rPr/>
+              <a:t>5 - Repeated Measures ANOVA (any effect)</a:t>
+            </a:r>
+          </a:p>
+        </p:txBody>
+      </p:sp>
+      <p:pic>
+        <p:nvPicPr>
+          <p:cNvPr descr="images/paste-82E34E49.png" id="0" name="Picture 1"/>
+          <p:cNvPicPr>
+            <a:picLocks noGrp="1" noChangeAspect="1"/>
+          </p:cNvPicPr>
+          <p:nvPr/>
+        </p:nvPicPr>
+        <p:blipFill>
+          <a:blip r:embed="rId2"/>
+          <a:stretch>
+            <a:fillRect/>
+          </a:stretch>
+        </p:blipFill>
+        <p:spPr bwMode="auto">
+          <a:xfrm>
+            <a:off x="2286000" y="1816100"/>
+            <a:ext cx="7632700" cy="4343400"/>
+          </a:xfrm>
+          <a:prstGeom prst="rect">
+            <a:avLst/>
+          </a:prstGeom>
+          <a:noFill/>
+          <a:ln w="9525">
+            <a:noFill/>
+            <a:headEnd/>
+            <a:tailEnd/>
+          </a:ln>
+        </p:spPr>
+      </p:pic>
+    </p:spTree>
+  </p:cSld>
+</p:sld>
+</file>
+
+<file path=ppt/slides/slide17.xml><?xml version="1.0" encoding="utf-8"?>
+<p:sld xmlns:a="http://schemas.openxmlformats.org/drawingml/2006/main" xmlns:r="http://schemas.openxmlformats.org/officeDocument/2006/relationships" xmlns:p="http://schemas.openxmlformats.org/presentationml/2006/main">
+  <p:cSld>
+    <p:spTree>
+      <p:nvGrpSpPr>
+        <p:cNvPr id="1" name=""/>
+        <p:cNvGrpSpPr/>
+        <p:nvPr/>
+      </p:nvGrpSpPr>
+      <p:grpSpPr>
+        <a:xfrm>
+          <a:off x="0" y="0"/>
+          <a:ext cx="0" cy="0"/>
+          <a:chOff x="0" y="0"/>
+          <a:chExt cx="0" cy="0"/>
+        </a:xfrm>
+      </p:grpSpPr>
+      <p:sp>
+        <p:nvSpPr>
+          <p:cNvPr id="2" name="Title 1">
+            <a:extLst>
+              <a:ext uri="{FF2B5EF4-FFF2-40B4-BE49-F238E27FC236}">
+                <a16:creationId xmlns:a16="http://schemas.microsoft.com/office/drawing/2014/main" id="{DD9B8E45-0772-954C-8D4B-6E6808DFEDED}"/>
+              </a:ext>
+            </a:extLst>
+          </p:cNvPr>
+          <p:cNvSpPr>
+            <a:spLocks noGrp="1"/>
+          </p:cNvSpPr>
+          <p:nvPr>
+            <p:ph type="title"/>
+          </p:nvPr>
+        </p:nvSpPr>
+        <p:spPr>
+          <a:xfrm>
+            <a:off x="838200" y="365129"/>
+            <a:ext cx="10002520" cy="1325563"/>
+          </a:xfrm>
+          <a:prstGeom prst="rect">
+            <a:avLst/>
+          </a:prstGeom>
+        </p:spPr>
+        <p:txBody>
+          <a:bodyPr/>
+          <a:lstStyle/>
+          <a:p>
+            <a:pPr lvl="0" indent="0" marL="0">
+              <a:buNone/>
+            </a:pPr>
+            <a:r>
+              <a:rPr/>
+              <a:t>Graph</a:t>
+            </a:r>
+          </a:p>
+        </p:txBody>
+      </p:sp>
+      <p:pic>
+        <p:nvPicPr>
+          <p:cNvPr descr="images/paste-E8832479.png" id="0" name="Picture 1"/>
+          <p:cNvPicPr>
+            <a:picLocks noGrp="1" noChangeAspect="1"/>
+          </p:cNvPicPr>
+          <p:nvPr/>
+        </p:nvPicPr>
+        <p:blipFill>
+          <a:blip r:embed="rId2"/>
+          <a:stretch>
+            <a:fillRect/>
+          </a:stretch>
+        </p:blipFill>
+        <p:spPr bwMode="auto">
+          <a:xfrm>
+            <a:off x="952500" y="1816100"/>
+            <a:ext cx="10287000" cy="4343400"/>
+          </a:xfrm>
+          <a:prstGeom prst="rect">
+            <a:avLst/>
+          </a:prstGeom>
+          <a:noFill/>
+          <a:ln w="9525">
+            <a:noFill/>
+            <a:headEnd/>
+            <a:tailEnd/>
+          </a:ln>
+        </p:spPr>
+      </p:pic>
+    </p:spTree>
+  </p:cSld>
+</p:sld>
+</file>
+
+<file path=ppt/slides/slide18.xml><?xml version="1.0" encoding="utf-8"?>
+<p:sld xmlns:a="http://schemas.openxmlformats.org/drawingml/2006/main" xmlns:r="http://schemas.openxmlformats.org/officeDocument/2006/relationships" xmlns:p="http://schemas.openxmlformats.org/presentationml/2006/main">
+  <p:cSld>
+    <p:spTree>
+      <p:nvGrpSpPr>
+        <p:cNvPr id="1" name=""/>
+        <p:cNvGrpSpPr/>
+        <p:nvPr/>
+      </p:nvGrpSpPr>
+      <p:grpSpPr>
+        <a:xfrm>
+          <a:off x="0" y="0"/>
+          <a:ext cx="0" cy="0"/>
+          <a:chOff x="0" y="0"/>
+          <a:chExt cx="0" cy="0"/>
+        </a:xfrm>
+      </p:grpSpPr>
+      <p:sp>
+        <p:nvSpPr>
+          <p:cNvPr id="2" name="Title 1">
+            <a:extLst>
+              <a:ext uri="{FF2B5EF4-FFF2-40B4-BE49-F238E27FC236}">
+                <a16:creationId xmlns:a16="http://schemas.microsoft.com/office/drawing/2014/main" id="{DD9B8E45-0772-954C-8D4B-6E6808DFEDED}"/>
+              </a:ext>
+            </a:extLst>
+          </p:cNvPr>
+          <p:cNvSpPr>
+            <a:spLocks noGrp="1"/>
+          </p:cNvSpPr>
+          <p:nvPr>
+            <p:ph type="title"/>
+          </p:nvPr>
+        </p:nvSpPr>
+        <p:spPr>
+          <a:xfrm>
+            <a:off x="838200" y="365129"/>
+            <a:ext cx="10002520" cy="1325563"/>
+          </a:xfrm>
+          <a:prstGeom prst="rect">
+            <a:avLst/>
+          </a:prstGeom>
+        </p:spPr>
+        <p:txBody>
+          <a:bodyPr/>
+          <a:lstStyle/>
+          <a:p>
+            <a:pPr lvl="0" indent="0" marL="0">
+              <a:buNone/>
+            </a:pPr>
+            <a:r>
+              <a:rPr/>
+              <a:t>Writing up</a:t>
+            </a:r>
+          </a:p>
+        </p:txBody>
+      </p:sp>
+      <p:sp>
+        <p:nvSpPr>
+          <p:cNvPr id="3" name="Content Placeholder 2">
+            <a:extLst>
+              <a:ext uri="{FF2B5EF4-FFF2-40B4-BE49-F238E27FC236}">
+                <a16:creationId xmlns:a16="http://schemas.microsoft.com/office/drawing/2014/main" id="{A4EB24F9-04F1-C843-9D71-56C5C024552B}"/>
+              </a:ext>
+            </a:extLst>
+          </p:cNvPr>
+          <p:cNvSpPr>
+            <a:spLocks noGrp="1"/>
+          </p:cNvSpPr>
+          <p:nvPr>
+            <p:ph idx="1"/>
+          </p:nvPr>
+        </p:nvSpPr>
+        <p:spPr/>
+        <p:txBody>
+          <a:bodyPr/>
+          <a:lstStyle/>
+          <a:p>
+            <a:pPr lvl="0" indent="0" marL="1270000">
+              <a:buNone/>
+            </a:pPr>
+            <a:r>
+              <a:rPr sz="2000"/>
+              <a:t>“In order to detect an effect size of Cohen’s d = 0.xx with 80% power (alpha = .05, two-tailed), G*Power analysis determines a sample size of XX participants in a </a:t>
+            </a:r>
+            <a:r>
+              <a:rPr sz="2000" i="1"/>
+              <a:t>insert type</a:t>
+            </a:r>
+            <a:r>
+              <a:rPr sz="2000"/>
+              <a:t> 2x2 ANOVA”. The smallest effect size of interest was set to d= 0.xx based on the meta-analysis by Dougal et al. (2023).”</a:t>
             </a:r>
           </a:p>
         </p:txBody>
@@ -4960,7 +5769,7 @@
           <p:cNvPr id="2" name="Title 1">
             <a:extLst>
               <a:ext uri="{FF2B5EF4-FFF2-40B4-BE49-F238E27FC236}">
-                <a16:creationId xmlns:a16="http://schemas.microsoft.com/office/drawing/2014/main" id="{FF6A6CB2-D1B6-B94A-84C1-83C65423C650}"/>
+                <a16:creationId xmlns:a16="http://schemas.microsoft.com/office/drawing/2014/main" id="{DD9B8E45-0772-954C-8D4B-6E6808DFEDED}"/>
               </a:ext>
             </a:extLst>
           </p:cNvPr>
@@ -4973,8 +5782,8 @@
         </p:nvSpPr>
         <p:spPr>
           <a:xfrm>
-            <a:off x="831851" y="1709742"/>
-            <a:ext cx="10515600" cy="2852737"/>
+            <a:off x="838200" y="365129"/>
+            <a:ext cx="10002520" cy="1325563"/>
           </a:xfrm>
           <a:prstGeom prst="rect">
             <a:avLst/>
@@ -4989,11 +5798,826 @@
             </a:pPr>
             <a:r>
               <a:rPr/>
-              <a:t>Content pending</a:t>
-            </a:r>
-          </a:p>
-        </p:txBody>
-      </p:sp>
+              <a:t>I got the, I got the power!</a:t>
+            </a:r>
+          </a:p>
+        </p:txBody>
+      </p:sp>
+      <p:sp>
+        <p:nvSpPr>
+          <p:cNvPr id="3" name="Content Placeholder 2">
+            <a:extLst>
+              <a:ext uri="{FF2B5EF4-FFF2-40B4-BE49-F238E27FC236}">
+                <a16:creationId xmlns:a16="http://schemas.microsoft.com/office/drawing/2014/main" id="{A4EB24F9-04F1-C843-9D71-56C5C024552B}"/>
+              </a:ext>
+            </a:extLst>
+          </p:cNvPr>
+          <p:cNvSpPr>
+            <a:spLocks noGrp="1"/>
+          </p:cNvSpPr>
+          <p:nvPr>
+            <p:ph idx="1"/>
+          </p:nvPr>
+        </p:nvSpPr>
+        <p:spPr/>
+        <p:txBody>
+          <a:bodyPr/>
+          <a:lstStyle/>
+          <a:p>
+            <a:pPr lvl="0" indent="0" marL="0">
+              <a:buNone/>
+            </a:pPr>
+            <a:r>
+              <a:rPr/>
+              <a:t>The formal definition of a p value is the probability of observing a result at least as extreme as the one observed, assuming the null hypothesis is true (e.g. Cohen, 1994).</a:t>
+            </a:r>
+          </a:p>
+          <a:p>
+            <a:pPr lvl="0" indent="0" marL="1270000">
+              <a:buNone/>
+            </a:pPr>
+            <a:r>
+              <a:rPr sz="2000"/>
+              <a:t>Cohen, J (1988). Statistical power analysis for the behavioral sciences (2nd ed.). Lawrence Erlbaum Associates. I wouldn’t bother.</a:t>
+            </a:r>
+          </a:p>
+        </p:txBody>
+      </p:sp>
+    </p:spTree>
+  </p:cSld>
+</p:sld>
+</file>
+
+<file path=ppt/slides/slide3.xml><?xml version="1.0" encoding="utf-8"?>
+<p:sld xmlns:a="http://schemas.openxmlformats.org/drawingml/2006/main" xmlns:r="http://schemas.openxmlformats.org/officeDocument/2006/relationships" xmlns:p="http://schemas.openxmlformats.org/presentationml/2006/main">
+  <p:cSld>
+    <p:spTree>
+      <p:nvGrpSpPr>
+        <p:cNvPr id="1" name=""/>
+        <p:cNvGrpSpPr/>
+        <p:nvPr/>
+      </p:nvGrpSpPr>
+      <p:grpSpPr>
+        <a:xfrm>
+          <a:off x="0" y="0"/>
+          <a:ext cx="0" cy="0"/>
+          <a:chOff x="0" y="0"/>
+          <a:chExt cx="0" cy="0"/>
+        </a:xfrm>
+      </p:grpSpPr>
+      <p:sp>
+        <p:nvSpPr>
+          <p:cNvPr id="2" name="Title 1">
+            <a:extLst>
+              <a:ext uri="{FF2B5EF4-FFF2-40B4-BE49-F238E27FC236}">
+                <a16:creationId xmlns:a16="http://schemas.microsoft.com/office/drawing/2014/main" id="{DD9B8E45-0772-954C-8D4B-6E6808DFEDED}"/>
+              </a:ext>
+            </a:extLst>
+          </p:cNvPr>
+          <p:cNvSpPr>
+            <a:spLocks noGrp="1"/>
+          </p:cNvSpPr>
+          <p:nvPr>
+            <p:ph type="title"/>
+          </p:nvPr>
+        </p:nvSpPr>
+        <p:spPr>
+          <a:xfrm>
+            <a:off x="838200" y="365129"/>
+            <a:ext cx="10002520" cy="1325563"/>
+          </a:xfrm>
+          <a:prstGeom prst="rect">
+            <a:avLst/>
+          </a:prstGeom>
+        </p:spPr>
+        <p:txBody>
+          <a:bodyPr/>
+          <a:lstStyle/>
+          <a:p>
+            <a:pPr lvl="0" indent="0" marL="0">
+              <a:buNone/>
+            </a:pPr>
+            <a:r>
+              <a:rPr/>
+              <a:t>What?</a:t>
+            </a:r>
+          </a:p>
+        </p:txBody>
+      </p:sp>
+      <p:sp>
+        <p:nvSpPr>
+          <p:cNvPr id="3" name="Content Placeholder 2">
+            <a:extLst>
+              <a:ext uri="{FF2B5EF4-FFF2-40B4-BE49-F238E27FC236}">
+                <a16:creationId xmlns:a16="http://schemas.microsoft.com/office/drawing/2014/main" id="{A4EB24F9-04F1-C843-9D71-56C5C024552B}"/>
+              </a:ext>
+            </a:extLst>
+          </p:cNvPr>
+          <p:cNvSpPr>
+            <a:spLocks noGrp="1"/>
+          </p:cNvSpPr>
+          <p:nvPr>
+            <p:ph idx="1"/>
+          </p:nvPr>
+        </p:nvSpPr>
+        <p:spPr/>
+        <p:txBody>
+          <a:bodyPr/>
+          <a:lstStyle/>
+          <a:p>
+            <a:pPr lvl="0" indent="0" marL="0">
+              <a:buNone/>
+            </a:pPr>
+            <a:r>
+              <a:rPr/>
+              <a:t>This means, and assuming we have a crystal ball to know the ‘truth’ of whether there is an effect of our manipulation..</a:t>
+            </a:r>
+          </a:p>
+          <a:p>
+            <a:pPr lvl="0"/>
+            <a:r>
+              <a:rPr/>
+              <a:t>a small p value indicates the results are surprising if the null hypothesis </a:t>
+            </a:r>
+            <a:r>
+              <a:rPr u="sng"/>
+              <a:t>IS</a:t>
+            </a:r>
+            <a:r>
+              <a:rPr/>
+              <a:t> true</a:t>
+            </a:r>
+          </a:p>
+          <a:p>
+            <a:pPr lvl="0"/>
+            <a:r>
+              <a:rPr/>
+              <a:t>a large p value indicates the results are not very surprising if the null </a:t>
+            </a:r>
+            <a:r>
+              <a:rPr u="sng"/>
+              <a:t>IS</a:t>
+            </a:r>
+            <a:r>
+              <a:rPr/>
+              <a:t> true.</a:t>
+            </a:r>
+          </a:p>
+        </p:txBody>
+      </p:sp>
+    </p:spTree>
+  </p:cSld>
+</p:sld>
+</file>
+
+<file path=ppt/slides/slide4.xml><?xml version="1.0" encoding="utf-8"?>
+<p:sld xmlns:a="http://schemas.openxmlformats.org/drawingml/2006/main" xmlns:r="http://schemas.openxmlformats.org/officeDocument/2006/relationships" xmlns:p="http://schemas.openxmlformats.org/presentationml/2006/main">
+  <p:cSld>
+    <p:spTree>
+      <p:nvGrpSpPr>
+        <p:cNvPr id="1" name=""/>
+        <p:cNvGrpSpPr/>
+        <p:nvPr/>
+      </p:nvGrpSpPr>
+      <p:grpSpPr>
+        <a:xfrm>
+          <a:off x="0" y="0"/>
+          <a:ext cx="0" cy="0"/>
+          <a:chOff x="0" y="0"/>
+          <a:chExt cx="0" cy="0"/>
+        </a:xfrm>
+      </p:grpSpPr>
+      <p:sp>
+        <p:nvSpPr>
+          <p:cNvPr id="2" name="Title 1">
+            <a:extLst>
+              <a:ext uri="{FF2B5EF4-FFF2-40B4-BE49-F238E27FC236}">
+                <a16:creationId xmlns:a16="http://schemas.microsoft.com/office/drawing/2014/main" id="{DD9B8E45-0772-954C-8D4B-6E6808DFEDED}"/>
+              </a:ext>
+            </a:extLst>
+          </p:cNvPr>
+          <p:cNvSpPr>
+            <a:spLocks noGrp="1"/>
+          </p:cNvSpPr>
+          <p:nvPr>
+            <p:ph type="title"/>
+          </p:nvPr>
+        </p:nvSpPr>
+        <p:spPr>
+          <a:xfrm>
+            <a:off x="838200" y="365129"/>
+            <a:ext cx="10002520" cy="1325563"/>
+          </a:xfrm>
+          <a:prstGeom prst="rect">
+            <a:avLst/>
+          </a:prstGeom>
+        </p:spPr>
+        <p:txBody>
+          <a:bodyPr/>
+          <a:lstStyle/>
+          <a:p>
+            <a:pPr lvl="0" indent="0" marL="0">
+              <a:buNone/>
+            </a:pPr>
+            <a:r>
+              <a:rPr/>
+              <a:t>G*Power</a:t>
+            </a:r>
+          </a:p>
+        </p:txBody>
+      </p:sp>
+      <p:sp>
+        <p:nvSpPr>
+          <p:cNvPr id="3" name="Content Placeholder 2">
+            <a:extLst>
+              <a:ext uri="{FF2B5EF4-FFF2-40B4-BE49-F238E27FC236}">
+                <a16:creationId xmlns:a16="http://schemas.microsoft.com/office/drawing/2014/main" id="{A4EB24F9-04F1-C843-9D71-56C5C024552B}"/>
+              </a:ext>
+            </a:extLst>
+          </p:cNvPr>
+          <p:cNvSpPr>
+            <a:spLocks noGrp="1"/>
+          </p:cNvSpPr>
+          <p:nvPr>
+            <p:ph idx="1"/>
+          </p:nvPr>
+        </p:nvSpPr>
+        <p:spPr/>
+        <p:txBody>
+          <a:bodyPr/>
+          <a:lstStyle/>
+          <a:p>
+            <a:pPr lvl="0" indent="0" marL="0">
+              <a:buNone/>
+            </a:pPr>
+            <a:r>
+              <a:rPr/>
+              <a:t>You can download G*Power on this page. Under the heading “download” click on the appropriate version for whether you have a Windows or Mac computer.</a:t>
+            </a:r>
+          </a:p>
+          <a:p>
+            <a:pPr lvl="0" indent="0" marL="0">
+              <a:buNone/>
+            </a:pPr>
+            <a:r>
+              <a:rPr>
+                <a:hlinkClick r:id="rId2"/>
+              </a:rPr>
+              <a:t>https://www.psychologie.hhu.de/arbeitsgruppen/allgemeine-psychologie-und-arbeitspsychologie/gpower</a:t>
+            </a:r>
+          </a:p>
+        </p:txBody>
+      </p:sp>
+    </p:spTree>
+  </p:cSld>
+</p:sld>
+</file>
+
+<file path=ppt/slides/slide5.xml><?xml version="1.0" encoding="utf-8"?>
+<p:sld xmlns:a="http://schemas.openxmlformats.org/drawingml/2006/main" xmlns:r="http://schemas.openxmlformats.org/officeDocument/2006/relationships" xmlns:p="http://schemas.openxmlformats.org/presentationml/2006/main">
+  <p:cSld>
+    <p:spTree>
+      <p:nvGrpSpPr>
+        <p:cNvPr id="1" name=""/>
+        <p:cNvGrpSpPr/>
+        <p:nvPr/>
+      </p:nvGrpSpPr>
+      <p:grpSpPr>
+        <a:xfrm>
+          <a:off x="0" y="0"/>
+          <a:ext cx="0" cy="0"/>
+          <a:chOff x="0" y="0"/>
+          <a:chExt cx="0" cy="0"/>
+        </a:xfrm>
+      </p:grpSpPr>
+      <p:sp>
+        <p:nvSpPr>
+          <p:cNvPr id="2" name="Title 1">
+            <a:extLst>
+              <a:ext uri="{FF2B5EF4-FFF2-40B4-BE49-F238E27FC236}">
+                <a16:creationId xmlns:a16="http://schemas.microsoft.com/office/drawing/2014/main" id="{DD9B8E45-0772-954C-8D4B-6E6808DFEDED}"/>
+              </a:ext>
+            </a:extLst>
+          </p:cNvPr>
+          <p:cNvSpPr>
+            <a:spLocks noGrp="1"/>
+          </p:cNvSpPr>
+          <p:nvPr>
+            <p:ph type="title"/>
+          </p:nvPr>
+        </p:nvSpPr>
+        <p:spPr>
+          <a:xfrm>
+            <a:off x="838200" y="365129"/>
+            <a:ext cx="10002520" cy="1325563"/>
+          </a:xfrm>
+          <a:prstGeom prst="rect">
+            <a:avLst/>
+          </a:prstGeom>
+        </p:spPr>
+        <p:txBody>
+          <a:bodyPr/>
+          <a:lstStyle/>
+          <a:p>
+            <a:pPr lvl="0" indent="0" marL="0">
+              <a:buNone/>
+            </a:pPr>
+            <a:r>
+              <a:rPr/>
+              <a:t>2x2 factorial ANOVA Power analysis</a:t>
+            </a:r>
+          </a:p>
+        </p:txBody>
+      </p:sp>
+      <p:sp>
+        <p:nvSpPr>
+          <p:cNvPr id="3" name="Content Placeholder 2">
+            <a:extLst>
+              <a:ext uri="{FF2B5EF4-FFF2-40B4-BE49-F238E27FC236}">
+                <a16:creationId xmlns:a16="http://schemas.microsoft.com/office/drawing/2014/main" id="{A4EB24F9-04F1-C843-9D71-56C5C024552B}"/>
+              </a:ext>
+            </a:extLst>
+          </p:cNvPr>
+          <p:cNvSpPr>
+            <a:spLocks noGrp="1"/>
+          </p:cNvSpPr>
+          <p:nvPr>
+            <p:ph idx="1"/>
+          </p:nvPr>
+        </p:nvSpPr>
+        <p:spPr/>
+        <p:txBody>
+          <a:bodyPr/>
+          <a:lstStyle/>
+          <a:p>
+            <a:pPr lvl="0" indent="0" marL="0">
+              <a:buNone/>
+            </a:pPr>
+            <a:r>
+              <a:rPr/>
+              <a:t>In a 2x2 design, there are three effects to compare:</a:t>
+            </a:r>
+          </a:p>
+          <a:p>
+            <a:pPr lvl="0"/>
+            <a:r>
+              <a:rPr/>
+              <a:t>the main effect of IV1,</a:t>
+            </a:r>
+          </a:p>
+          <a:p>
+            <a:pPr lvl="0"/>
+            <a:r>
+              <a:rPr/>
+              <a:t>the main effect of IV2,</a:t>
+            </a:r>
+          </a:p>
+          <a:p>
+            <a:pPr lvl="0"/>
+            <a:r>
+              <a:rPr/>
+              <a:t>and the interaction between IV1 and IV2.</a:t>
+            </a:r>
+          </a:p>
+        </p:txBody>
+      </p:sp>
+    </p:spTree>
+  </p:cSld>
+</p:sld>
+</file>
+
+<file path=ppt/slides/slide6.xml><?xml version="1.0" encoding="utf-8"?>
+<p:sld xmlns:a="http://schemas.openxmlformats.org/drawingml/2006/main" xmlns:r="http://schemas.openxmlformats.org/officeDocument/2006/relationships" xmlns:p="http://schemas.openxmlformats.org/presentationml/2006/main">
+  <p:cSld>
+    <p:spTree>
+      <p:nvGrpSpPr>
+        <p:cNvPr id="1" name=""/>
+        <p:cNvGrpSpPr/>
+        <p:nvPr/>
+      </p:nvGrpSpPr>
+      <p:grpSpPr>
+        <a:xfrm>
+          <a:off x="0" y="0"/>
+          <a:ext cx="0" cy="0"/>
+          <a:chOff x="0" y="0"/>
+          <a:chExt cx="0" cy="0"/>
+        </a:xfrm>
+      </p:grpSpPr>
+      <p:sp>
+        <p:nvSpPr>
+          <p:cNvPr id="2" name="Title 1">
+            <a:extLst>
+              <a:ext uri="{FF2B5EF4-FFF2-40B4-BE49-F238E27FC236}">
+                <a16:creationId xmlns:a16="http://schemas.microsoft.com/office/drawing/2014/main" id="{DD9B8E45-0772-954C-8D4B-6E6808DFEDED}"/>
+              </a:ext>
+            </a:extLst>
+          </p:cNvPr>
+          <p:cNvSpPr>
+            <a:spLocks noGrp="1"/>
+          </p:cNvSpPr>
+          <p:nvPr>
+            <p:ph type="title"/>
+          </p:nvPr>
+        </p:nvSpPr>
+        <p:spPr>
+          <a:xfrm>
+            <a:off x="838200" y="365129"/>
+            <a:ext cx="10002520" cy="1325563"/>
+          </a:xfrm>
+          <a:prstGeom prst="rect">
+            <a:avLst/>
+          </a:prstGeom>
+        </p:spPr>
+        <p:txBody>
+          <a:bodyPr/>
+          <a:lstStyle/>
+          <a:p>
+            <a:pPr lvl="0" indent="0" marL="0">
+              <a:buNone/>
+            </a:pPr>
+            <a:r>
+              <a:rPr/>
+              <a:t>Look after the little effect first</a:t>
+            </a:r>
+          </a:p>
+        </p:txBody>
+      </p:sp>
+      <p:sp>
+        <p:nvSpPr>
+          <p:cNvPr id="3" name="Content Placeholder 2">
+            <a:extLst>
+              <a:ext uri="{FF2B5EF4-FFF2-40B4-BE49-F238E27FC236}">
+                <a16:creationId xmlns:a16="http://schemas.microsoft.com/office/drawing/2014/main" id="{A4EB24F9-04F1-C843-9D71-56C5C024552B}"/>
+              </a:ext>
+            </a:extLst>
+          </p:cNvPr>
+          <p:cNvSpPr>
+            <a:spLocks noGrp="1"/>
+          </p:cNvSpPr>
+          <p:nvPr>
+            <p:ph idx="1"/>
+          </p:nvPr>
+        </p:nvSpPr>
+        <p:spPr/>
+        <p:txBody>
+          <a:bodyPr/>
+          <a:lstStyle/>
+          <a:p>
+            <a:pPr lvl="0" indent="0" marL="0">
+              <a:buNone/>
+            </a:pPr>
+            <a:r>
+              <a:rPr/>
+              <a:t>There are three comparisons to make here and it is unlikely you would expect the same effect size for all three comparisons, meaning you must ensure all three effects are sufficiently powered by a single experimental design. This just means that your sample size will need to be sufficient to detect the </a:t>
+            </a:r>
+            <a:r>
+              <a:rPr u="sng"/>
+              <a:t>weakest</a:t>
+            </a:r>
+            <a:r>
+              <a:rPr/>
+              <a:t> effect size of the three.</a:t>
+            </a:r>
+          </a:p>
+          <a:p>
+            <a:pPr lvl="0" indent="0" marL="0">
+              <a:buNone/>
+            </a:pPr>
+            <a:r>
+              <a:rPr/>
+              <a:t>You might expect the effect size (or difference) for IV1 to be a lot larger than the effect size (or difference) for IV2, for example.</a:t>
+            </a:r>
+          </a:p>
+          <a:p>
+            <a:pPr lvl="0" indent="0" marL="0">
+              <a:buNone/>
+            </a:pPr>
+            <a:r>
+              <a:rPr/>
+              <a:t>This means you would have to ensure the smallest effect is sufficiently powered, in the above example, the IV2 effect size would drive the sample size calculation.</a:t>
+            </a:r>
+          </a:p>
+          <a:p>
+            <a:pPr lvl="0" indent="0" marL="0">
+              <a:buNone/>
+            </a:pPr>
+            <a:r>
+              <a:rPr/>
+              <a:t>if the smallest effect is covered, by virtue of the fact power exists along a curve - then the larger effects would have sufficient power!</a:t>
+            </a:r>
+          </a:p>
+        </p:txBody>
+      </p:sp>
+    </p:spTree>
+  </p:cSld>
+</p:sld>
+</file>
+
+<file path=ppt/slides/slide7.xml><?xml version="1.0" encoding="utf-8"?>
+<p:sld xmlns:a="http://schemas.openxmlformats.org/drawingml/2006/main" xmlns:r="http://schemas.openxmlformats.org/officeDocument/2006/relationships" xmlns:p="http://schemas.openxmlformats.org/presentationml/2006/main">
+  <p:cSld>
+    <p:spTree>
+      <p:nvGrpSpPr>
+        <p:cNvPr id="1" name=""/>
+        <p:cNvGrpSpPr/>
+        <p:nvPr/>
+      </p:nvGrpSpPr>
+      <p:grpSpPr>
+        <a:xfrm>
+          <a:off x="0" y="0"/>
+          <a:ext cx="0" cy="0"/>
+          <a:chOff x="0" y="0"/>
+          <a:chExt cx="0" cy="0"/>
+        </a:xfrm>
+      </p:grpSpPr>
+      <p:sp>
+        <p:nvSpPr>
+          <p:cNvPr id="2" name="Title 1">
+            <a:extLst>
+              <a:ext uri="{FF2B5EF4-FFF2-40B4-BE49-F238E27FC236}">
+                <a16:creationId xmlns:a16="http://schemas.microsoft.com/office/drawing/2014/main" id="{DD9B8E45-0772-954C-8D4B-6E6808DFEDED}"/>
+              </a:ext>
+            </a:extLst>
+          </p:cNvPr>
+          <p:cNvSpPr>
+            <a:spLocks noGrp="1"/>
+          </p:cNvSpPr>
+          <p:nvPr>
+            <p:ph type="title"/>
+          </p:nvPr>
+        </p:nvSpPr>
+        <p:spPr>
+          <a:xfrm>
+            <a:off x="838200" y="365129"/>
+            <a:ext cx="10002520" cy="1325563"/>
+          </a:xfrm>
+          <a:prstGeom prst="rect">
+            <a:avLst/>
+          </a:prstGeom>
+        </p:spPr>
+        <p:txBody>
+          <a:bodyPr/>
+          <a:lstStyle/>
+          <a:p>
+            <a:pPr lvl="0" indent="0" marL="0">
+              <a:buNone/>
+            </a:pPr>
+            <a:r>
+              <a:rPr/>
+              <a:t>G*Power guide</a:t>
+            </a:r>
+          </a:p>
+        </p:txBody>
+      </p:sp>
+      <p:sp>
+        <p:nvSpPr>
+          <p:cNvPr id="3" name="Content Placeholder 2">
+            <a:extLst>
+              <a:ext uri="{FF2B5EF4-FFF2-40B4-BE49-F238E27FC236}">
+                <a16:creationId xmlns:a16="http://schemas.microsoft.com/office/drawing/2014/main" id="{A4EB24F9-04F1-C843-9D71-56C5C024552B}"/>
+              </a:ext>
+            </a:extLst>
+          </p:cNvPr>
+          <p:cNvSpPr>
+            <a:spLocks noGrp="1"/>
+          </p:cNvSpPr>
+          <p:nvPr>
+            <p:ph idx="1"/>
+          </p:nvPr>
+        </p:nvSpPr>
+        <p:spPr/>
+        <p:txBody>
+          <a:bodyPr/>
+          <a:lstStyle/>
+          <a:p>
+            <a:pPr lvl="0" indent="0" marL="0">
+              <a:buNone/>
+            </a:pPr>
+            <a:r>
+              <a:rPr/>
+              <a:t>If you are running a design with 2 between participant IVs, use Slide 1</a:t>
+            </a:r>
+          </a:p>
+          <a:p>
+            <a:pPr lvl="0" indent="0" marL="0">
+              <a:buNone/>
+            </a:pPr>
+            <a:r>
+              <a:rPr/>
+              <a:t>If you are running a mixed design, and want to explore the between Main effect - slide 2</a:t>
+            </a:r>
+          </a:p>
+          <a:p>
+            <a:pPr lvl="0" indent="0" marL="0">
+              <a:buNone/>
+            </a:pPr>
+            <a:r>
+              <a:rPr/>
+              <a:t>If you are running a mixed design, and want to explore the within Main effect - slide 3</a:t>
+            </a:r>
+          </a:p>
+          <a:p>
+            <a:pPr lvl="0" indent="0" marL="0">
+              <a:buNone/>
+            </a:pPr>
+            <a:r>
+              <a:rPr/>
+              <a:t>If you are running a mixed design, and want to explore the interaction effect - slide 4</a:t>
+            </a:r>
+          </a:p>
+          <a:p>
+            <a:pPr lvl="0" indent="0" marL="0">
+              <a:buNone/>
+            </a:pPr>
+            <a:r>
+              <a:rPr/>
+              <a:t>If you are running a design with 2 between participant IVs, use Slide 5</a:t>
+            </a:r>
+          </a:p>
+        </p:txBody>
+      </p:sp>
+    </p:spTree>
+  </p:cSld>
+</p:sld>
+</file>
+
+<file path=ppt/slides/slide8.xml><?xml version="1.0" encoding="utf-8"?>
+<p:sld xmlns:a="http://schemas.openxmlformats.org/drawingml/2006/main" xmlns:r="http://schemas.openxmlformats.org/officeDocument/2006/relationships" xmlns:p="http://schemas.openxmlformats.org/presentationml/2006/main">
+  <p:cSld>
+    <p:spTree>
+      <p:nvGrpSpPr>
+        <p:cNvPr id="1" name=""/>
+        <p:cNvGrpSpPr/>
+        <p:nvPr/>
+      </p:nvGrpSpPr>
+      <p:grpSpPr>
+        <a:xfrm>
+          <a:off x="0" y="0"/>
+          <a:ext cx="0" cy="0"/>
+          <a:chOff x="0" y="0"/>
+          <a:chExt cx="0" cy="0"/>
+        </a:xfrm>
+      </p:grpSpPr>
+      <p:sp>
+        <p:nvSpPr>
+          <p:cNvPr id="2" name="Title 1">
+            <a:extLst>
+              <a:ext uri="{FF2B5EF4-FFF2-40B4-BE49-F238E27FC236}">
+                <a16:creationId xmlns:a16="http://schemas.microsoft.com/office/drawing/2014/main" id="{DD9B8E45-0772-954C-8D4B-6E6808DFEDED}"/>
+              </a:ext>
+            </a:extLst>
+          </p:cNvPr>
+          <p:cNvSpPr>
+            <a:spLocks noGrp="1"/>
+          </p:cNvSpPr>
+          <p:nvPr>
+            <p:ph type="title"/>
+          </p:nvPr>
+        </p:nvSpPr>
+        <p:spPr>
+          <a:xfrm>
+            <a:off x="838200" y="365129"/>
+            <a:ext cx="10002520" cy="1325563"/>
+          </a:xfrm>
+          <a:prstGeom prst="rect">
+            <a:avLst/>
+          </a:prstGeom>
+        </p:spPr>
+        <p:txBody>
+          <a:bodyPr/>
+          <a:lstStyle/>
+          <a:p>
+            <a:pPr lvl="0" indent="0" marL="0">
+              <a:buNone/>
+            </a:pPr>
+            <a:r>
+              <a:rPr/>
+              <a:t>1 - Fully Between Designs (any effect of interest)</a:t>
+            </a:r>
+          </a:p>
+        </p:txBody>
+      </p:sp>
+      <p:pic>
+        <p:nvPicPr>
+          <p:cNvPr descr="images/paste-76E70293.png" id="0" name="Picture 1"/>
+          <p:cNvPicPr>
+            <a:picLocks noGrp="1" noChangeAspect="1"/>
+          </p:cNvPicPr>
+          <p:nvPr/>
+        </p:nvPicPr>
+        <p:blipFill>
+          <a:blip r:embed="rId2"/>
+          <a:stretch>
+            <a:fillRect/>
+          </a:stretch>
+        </p:blipFill>
+        <p:spPr bwMode="auto">
+          <a:xfrm>
+            <a:off x="1371600" y="1816100"/>
+            <a:ext cx="9448800" cy="4343400"/>
+          </a:xfrm>
+          <a:prstGeom prst="rect">
+            <a:avLst/>
+          </a:prstGeom>
+          <a:noFill/>
+          <a:ln w="9525">
+            <a:noFill/>
+            <a:headEnd/>
+            <a:tailEnd/>
+          </a:ln>
+        </p:spPr>
+      </p:pic>
+    </p:spTree>
+  </p:cSld>
+</p:sld>
+</file>
+
+<file path=ppt/slides/slide9.xml><?xml version="1.0" encoding="utf-8"?>
+<p:sld xmlns:a="http://schemas.openxmlformats.org/drawingml/2006/main" xmlns:r="http://schemas.openxmlformats.org/officeDocument/2006/relationships" xmlns:p="http://schemas.openxmlformats.org/presentationml/2006/main">
+  <p:cSld>
+    <p:spTree>
+      <p:nvGrpSpPr>
+        <p:cNvPr id="1" name=""/>
+        <p:cNvGrpSpPr/>
+        <p:nvPr/>
+      </p:nvGrpSpPr>
+      <p:grpSpPr>
+        <a:xfrm>
+          <a:off x="0" y="0"/>
+          <a:ext cx="0" cy="0"/>
+          <a:chOff x="0" y="0"/>
+          <a:chExt cx="0" cy="0"/>
+        </a:xfrm>
+      </p:grpSpPr>
+      <p:sp>
+        <p:nvSpPr>
+          <p:cNvPr id="2" name="Title 1">
+            <a:extLst>
+              <a:ext uri="{FF2B5EF4-FFF2-40B4-BE49-F238E27FC236}">
+                <a16:creationId xmlns:a16="http://schemas.microsoft.com/office/drawing/2014/main" id="{DD9B8E45-0772-954C-8D4B-6E6808DFEDED}"/>
+              </a:ext>
+            </a:extLst>
+          </p:cNvPr>
+          <p:cNvSpPr>
+            <a:spLocks noGrp="1"/>
+          </p:cNvSpPr>
+          <p:nvPr>
+            <p:ph type="title"/>
+          </p:nvPr>
+        </p:nvSpPr>
+        <p:spPr>
+          <a:xfrm>
+            <a:off x="838200" y="365129"/>
+            <a:ext cx="10002520" cy="1325563"/>
+          </a:xfrm>
+          <a:prstGeom prst="rect">
+            <a:avLst/>
+          </a:prstGeom>
+        </p:spPr>
+        <p:txBody>
+          <a:bodyPr/>
+          <a:lstStyle/>
+          <a:p>
+            <a:pPr lvl="0" indent="0" marL="0">
+              <a:buNone/>
+            </a:pPr>
+            <a:r>
+              <a:rPr/>
+              <a:t>Power plot</a:t>
+            </a:r>
+          </a:p>
+        </p:txBody>
+      </p:sp>
+      <p:pic>
+        <p:nvPicPr>
+          <p:cNvPr descr="images/paste-838AA707.png" id="0" name="Picture 1"/>
+          <p:cNvPicPr>
+            <a:picLocks noGrp="1" noChangeAspect="1"/>
+          </p:cNvPicPr>
+          <p:nvPr/>
+        </p:nvPicPr>
+        <p:blipFill>
+          <a:blip r:embed="rId2"/>
+          <a:stretch>
+            <a:fillRect/>
+          </a:stretch>
+        </p:blipFill>
+        <p:spPr bwMode="auto">
+          <a:xfrm>
+            <a:off x="838200" y="1841500"/>
+            <a:ext cx="10515600" cy="4292600"/>
+          </a:xfrm>
+          <a:prstGeom prst="rect">
+            <a:avLst/>
+          </a:prstGeom>
+          <a:noFill/>
+          <a:ln w="9525">
+            <a:noFill/>
+            <a:headEnd/>
+            <a:tailEnd/>
+          </a:ln>
+        </p:spPr>
+      </p:pic>
     </p:spTree>
   </p:cSld>
 </p:sld>

--- a/_site/labs/Lab05/Lab05.pptx
+++ b/_site/labs/Lab05/Lab05.pptx
@@ -23,6 +23,7 @@
     <p:sldId id="271" r:id="rId17"/>
     <p:sldId id="272" r:id="rId18"/>
     <p:sldId id="273" r:id="rId19"/>
+    <p:sldId id="274" r:id="rId20"/>
   </p:sldIdLst>
   <p:sldSz cx="12192000" cy="6858000"/>
   <p:notesSz cx="6858000" cy="9144000"/>
@@ -5009,14 +5010,14 @@
             </a:pPr>
             <a:r>
               <a:rPr/>
-              <a:t>2 - Mixed design (looking at a between main effect)</a:t>
+              <a:t>Power plot</a:t>
             </a:r>
           </a:p>
         </p:txBody>
       </p:sp>
       <p:pic>
         <p:nvPicPr>
-          <p:cNvPr descr="images/paste-B14DCB46.png" id="0" name="Picture 1"/>
+          <p:cNvPr descr="images/paste-838AA707.png" id="0" name="Picture 1"/>
           <p:cNvPicPr>
             <a:picLocks noGrp="1" noChangeAspect="1"/>
           </p:cNvPicPr>
@@ -5030,8 +5031,8 @@
         </p:blipFill>
         <p:spPr bwMode="auto">
           <a:xfrm>
-            <a:off x="1968500" y="1816100"/>
-            <a:ext cx="8255000" cy="4343400"/>
+            <a:off x="838200" y="1841500"/>
+            <a:ext cx="10515600" cy="4292600"/>
           </a:xfrm>
           <a:prstGeom prst="rect">
             <a:avLst/>
@@ -5100,14 +5101,14 @@
             </a:pPr>
             <a:r>
               <a:rPr/>
-              <a:t>graph</a:t>
+              <a:t>2 - Mixed design (looking at a between main effect)</a:t>
             </a:r>
           </a:p>
         </p:txBody>
       </p:sp>
       <p:pic>
         <p:nvPicPr>
-          <p:cNvPr descr="images/paste-BCAAA13C.png" id="0" name="Picture 1"/>
+          <p:cNvPr descr="images/paste-B14DCB46.png" id="0" name="Picture 1"/>
           <p:cNvPicPr>
             <a:picLocks noGrp="1" noChangeAspect="1"/>
           </p:cNvPicPr>
@@ -5121,8 +5122,8 @@
         </p:blipFill>
         <p:spPr bwMode="auto">
           <a:xfrm>
-            <a:off x="838200" y="1854200"/>
-            <a:ext cx="10515600" cy="4279900"/>
+            <a:off x="1968500" y="1816100"/>
+            <a:ext cx="8255000" cy="4343400"/>
           </a:xfrm>
           <a:prstGeom prst="rect">
             <a:avLst/>
@@ -5191,6 +5192,97 @@
             </a:pPr>
             <a:r>
               <a:rPr/>
+              <a:t>graph</a:t>
+            </a:r>
+          </a:p>
+        </p:txBody>
+      </p:sp>
+      <p:pic>
+        <p:nvPicPr>
+          <p:cNvPr descr="images/paste-BCAAA13C.png" id="0" name="Picture 1"/>
+          <p:cNvPicPr>
+            <a:picLocks noGrp="1" noChangeAspect="1"/>
+          </p:cNvPicPr>
+          <p:nvPr/>
+        </p:nvPicPr>
+        <p:blipFill>
+          <a:blip r:embed="rId2"/>
+          <a:stretch>
+            <a:fillRect/>
+          </a:stretch>
+        </p:blipFill>
+        <p:spPr bwMode="auto">
+          <a:xfrm>
+            <a:off x="838200" y="1854200"/>
+            <a:ext cx="10515600" cy="4279900"/>
+          </a:xfrm>
+          <a:prstGeom prst="rect">
+            <a:avLst/>
+          </a:prstGeom>
+          <a:noFill/>
+          <a:ln w="9525">
+            <a:noFill/>
+            <a:headEnd/>
+            <a:tailEnd/>
+          </a:ln>
+        </p:spPr>
+      </p:pic>
+    </p:spTree>
+  </p:cSld>
+</p:sld>
+</file>
+
+<file path=ppt/slides/slide13.xml><?xml version="1.0" encoding="utf-8"?>
+<p:sld xmlns:a="http://schemas.openxmlformats.org/drawingml/2006/main" xmlns:r="http://schemas.openxmlformats.org/officeDocument/2006/relationships" xmlns:p="http://schemas.openxmlformats.org/presentationml/2006/main">
+  <p:cSld>
+    <p:spTree>
+      <p:nvGrpSpPr>
+        <p:cNvPr id="1" name=""/>
+        <p:cNvGrpSpPr/>
+        <p:nvPr/>
+      </p:nvGrpSpPr>
+      <p:grpSpPr>
+        <a:xfrm>
+          <a:off x="0" y="0"/>
+          <a:ext cx="0" cy="0"/>
+          <a:chOff x="0" y="0"/>
+          <a:chExt cx="0" cy="0"/>
+        </a:xfrm>
+      </p:grpSpPr>
+      <p:sp>
+        <p:nvSpPr>
+          <p:cNvPr id="2" name="Title 1">
+            <a:extLst>
+              <a:ext uri="{FF2B5EF4-FFF2-40B4-BE49-F238E27FC236}">
+                <a16:creationId xmlns:a16="http://schemas.microsoft.com/office/drawing/2014/main" id="{DD9B8E45-0772-954C-8D4B-6E6808DFEDED}"/>
+              </a:ext>
+            </a:extLst>
+          </p:cNvPr>
+          <p:cNvSpPr>
+            <a:spLocks noGrp="1"/>
+          </p:cNvSpPr>
+          <p:nvPr>
+            <p:ph type="title"/>
+          </p:nvPr>
+        </p:nvSpPr>
+        <p:spPr>
+          <a:xfrm>
+            <a:off x="838200" y="365129"/>
+            <a:ext cx="10002520" cy="1325563"/>
+          </a:xfrm>
+          <a:prstGeom prst="rect">
+            <a:avLst/>
+          </a:prstGeom>
+        </p:spPr>
+        <p:txBody>
+          <a:bodyPr/>
+          <a:lstStyle/>
+          <a:p>
+            <a:pPr lvl="0" indent="0" marL="0">
+              <a:buNone/>
+            </a:pPr>
+            <a:r>
+              <a:rPr/>
               <a:t>3 - Mixed design (looking at within main effect)</a:t>
             </a:r>
           </a:p>
@@ -5231,7 +5323,7 @@
 </p:sld>
 </file>
 
-<file path=ppt/slides/slide13.xml><?xml version="1.0" encoding="utf-8"?>
+<file path=ppt/slides/slide14.xml><?xml version="1.0" encoding="utf-8"?>
 <p:sld xmlns:a="http://schemas.openxmlformats.org/drawingml/2006/main" xmlns:r="http://schemas.openxmlformats.org/officeDocument/2006/relationships" xmlns:p="http://schemas.openxmlformats.org/presentationml/2006/main">
   <p:cSld>
     <p:spTree>
@@ -5283,97 +5375,6 @@
 </p:sld>
 </file>
 
-<file path=ppt/slides/slide14.xml><?xml version="1.0" encoding="utf-8"?>
-<p:sld xmlns:a="http://schemas.openxmlformats.org/drawingml/2006/main" xmlns:r="http://schemas.openxmlformats.org/officeDocument/2006/relationships" xmlns:p="http://schemas.openxmlformats.org/presentationml/2006/main">
-  <p:cSld>
-    <p:spTree>
-      <p:nvGrpSpPr>
-        <p:cNvPr id="1" name=""/>
-        <p:cNvGrpSpPr/>
-        <p:nvPr/>
-      </p:nvGrpSpPr>
-      <p:grpSpPr>
-        <a:xfrm>
-          <a:off x="0" y="0"/>
-          <a:ext cx="0" cy="0"/>
-          <a:chOff x="0" y="0"/>
-          <a:chExt cx="0" cy="0"/>
-        </a:xfrm>
-      </p:grpSpPr>
-      <p:sp>
-        <p:nvSpPr>
-          <p:cNvPr id="2" name="Title 1">
-            <a:extLst>
-              <a:ext uri="{FF2B5EF4-FFF2-40B4-BE49-F238E27FC236}">
-                <a16:creationId xmlns:a16="http://schemas.microsoft.com/office/drawing/2014/main" id="{DD9B8E45-0772-954C-8D4B-6E6808DFEDED}"/>
-              </a:ext>
-            </a:extLst>
-          </p:cNvPr>
-          <p:cNvSpPr>
-            <a:spLocks noGrp="1"/>
-          </p:cNvSpPr>
-          <p:nvPr>
-            <p:ph type="title"/>
-          </p:nvPr>
-        </p:nvSpPr>
-        <p:spPr>
-          <a:xfrm>
-            <a:off x="838200" y="365129"/>
-            <a:ext cx="10002520" cy="1325563"/>
-          </a:xfrm>
-          <a:prstGeom prst="rect">
-            <a:avLst/>
-          </a:prstGeom>
-        </p:spPr>
-        <p:txBody>
-          <a:bodyPr/>
-          <a:lstStyle/>
-          <a:p>
-            <a:pPr lvl="0" indent="0" marL="0">
-              <a:buNone/>
-            </a:pPr>
-            <a:r>
-              <a:rPr/>
-              <a:t>4 - Mixed design (looking at interaction effect)</a:t>
-            </a:r>
-          </a:p>
-        </p:txBody>
-      </p:sp>
-      <p:pic>
-        <p:nvPicPr>
-          <p:cNvPr descr="images/paste-727CBA38.png" id="0" name="Picture 1"/>
-          <p:cNvPicPr>
-            <a:picLocks noGrp="1" noChangeAspect="1"/>
-          </p:cNvPicPr>
-          <p:nvPr/>
-        </p:nvPicPr>
-        <p:blipFill>
-          <a:blip r:embed="rId2"/>
-          <a:stretch>
-            <a:fillRect/>
-          </a:stretch>
-        </p:blipFill>
-        <p:spPr bwMode="auto">
-          <a:xfrm>
-            <a:off x="2184400" y="1816100"/>
-            <a:ext cx="7823200" cy="4343400"/>
-          </a:xfrm>
-          <a:prstGeom prst="rect">
-            <a:avLst/>
-          </a:prstGeom>
-          <a:noFill/>
-          <a:ln w="9525">
-            <a:noFill/>
-            <a:headEnd/>
-            <a:tailEnd/>
-          </a:ln>
-        </p:spPr>
-      </p:pic>
-    </p:spTree>
-  </p:cSld>
-</p:sld>
-</file>
-
 <file path=ppt/slides/slide15.xml><?xml version="1.0" encoding="utf-8"?>
 <p:sld xmlns:a="http://schemas.openxmlformats.org/drawingml/2006/main" xmlns:r="http://schemas.openxmlformats.org/officeDocument/2006/relationships" xmlns:p="http://schemas.openxmlformats.org/presentationml/2006/main">
   <p:cSld>
@@ -5425,14 +5426,14 @@
             </a:pPr>
             <a:r>
               <a:rPr/>
-              <a:t>graph</a:t>
+              <a:t>4 - Mixed design (looking at interaction effect)</a:t>
             </a:r>
           </a:p>
         </p:txBody>
       </p:sp>
       <p:pic>
         <p:nvPicPr>
-          <p:cNvPr descr="images/paste-CBFE9163.png" id="0" name="Picture 1"/>
+          <p:cNvPr descr="images/paste-727CBA38.png" id="0" name="Picture 1"/>
           <p:cNvPicPr>
             <a:picLocks noGrp="1" noChangeAspect="1"/>
           </p:cNvPicPr>
@@ -5446,8 +5447,8 @@
         </p:blipFill>
         <p:spPr bwMode="auto">
           <a:xfrm>
-            <a:off x="838200" y="1841500"/>
-            <a:ext cx="10515600" cy="4305300"/>
+            <a:off x="2184400" y="1816100"/>
+            <a:ext cx="7823200" cy="4343400"/>
           </a:xfrm>
           <a:prstGeom prst="rect">
             <a:avLst/>
@@ -5516,14 +5517,14 @@
             </a:pPr>
             <a:r>
               <a:rPr/>
-              <a:t>5 - Repeated Measures ANOVA (any effect)</a:t>
+              <a:t>graph</a:t>
             </a:r>
           </a:p>
         </p:txBody>
       </p:sp>
       <p:pic>
         <p:nvPicPr>
-          <p:cNvPr descr="images/paste-82E34E49.png" id="0" name="Picture 1"/>
+          <p:cNvPr descr="images/paste-CBFE9163.png" id="0" name="Picture 1"/>
           <p:cNvPicPr>
             <a:picLocks noGrp="1" noChangeAspect="1"/>
           </p:cNvPicPr>
@@ -5537,8 +5538,8 @@
         </p:blipFill>
         <p:spPr bwMode="auto">
           <a:xfrm>
-            <a:off x="2286000" y="1816100"/>
-            <a:ext cx="7632700" cy="4343400"/>
+            <a:off x="838200" y="1841500"/>
+            <a:ext cx="10515600" cy="4305300"/>
           </a:xfrm>
           <a:prstGeom prst="rect">
             <a:avLst/>
@@ -5607,14 +5608,14 @@
             </a:pPr>
             <a:r>
               <a:rPr/>
-              <a:t>Graph</a:t>
+              <a:t>5 - Repeated Measures ANOVA (any effect)</a:t>
             </a:r>
           </a:p>
         </p:txBody>
       </p:sp>
       <p:pic>
         <p:nvPicPr>
-          <p:cNvPr descr="images/paste-E8832479.png" id="0" name="Picture 1"/>
+          <p:cNvPr descr="images/paste-82E34E49.png" id="0" name="Picture 1"/>
           <p:cNvPicPr>
             <a:picLocks noGrp="1" noChangeAspect="1"/>
           </p:cNvPicPr>
@@ -5628,8 +5629,8 @@
         </p:blipFill>
         <p:spPr bwMode="auto">
           <a:xfrm>
-            <a:off x="952500" y="1816100"/>
-            <a:ext cx="10287000" cy="4343400"/>
+            <a:off x="2286000" y="1816100"/>
+            <a:ext cx="7632700" cy="4343400"/>
           </a:xfrm>
           <a:prstGeom prst="rect">
             <a:avLst/>
@@ -5698,6 +5699,97 @@
             </a:pPr>
             <a:r>
               <a:rPr/>
+              <a:t>Graph</a:t>
+            </a:r>
+          </a:p>
+        </p:txBody>
+      </p:sp>
+      <p:pic>
+        <p:nvPicPr>
+          <p:cNvPr descr="images/paste-E8832479.png" id="0" name="Picture 1"/>
+          <p:cNvPicPr>
+            <a:picLocks noGrp="1" noChangeAspect="1"/>
+          </p:cNvPicPr>
+          <p:nvPr/>
+        </p:nvPicPr>
+        <p:blipFill>
+          <a:blip r:embed="rId2"/>
+          <a:stretch>
+            <a:fillRect/>
+          </a:stretch>
+        </p:blipFill>
+        <p:spPr bwMode="auto">
+          <a:xfrm>
+            <a:off x="952500" y="1816100"/>
+            <a:ext cx="10287000" cy="4343400"/>
+          </a:xfrm>
+          <a:prstGeom prst="rect">
+            <a:avLst/>
+          </a:prstGeom>
+          <a:noFill/>
+          <a:ln w="9525">
+            <a:noFill/>
+            <a:headEnd/>
+            <a:tailEnd/>
+          </a:ln>
+        </p:spPr>
+      </p:pic>
+    </p:spTree>
+  </p:cSld>
+</p:sld>
+</file>
+
+<file path=ppt/slides/slide19.xml><?xml version="1.0" encoding="utf-8"?>
+<p:sld xmlns:a="http://schemas.openxmlformats.org/drawingml/2006/main" xmlns:r="http://schemas.openxmlformats.org/officeDocument/2006/relationships" xmlns:p="http://schemas.openxmlformats.org/presentationml/2006/main">
+  <p:cSld>
+    <p:spTree>
+      <p:nvGrpSpPr>
+        <p:cNvPr id="1" name=""/>
+        <p:cNvGrpSpPr/>
+        <p:nvPr/>
+      </p:nvGrpSpPr>
+      <p:grpSpPr>
+        <a:xfrm>
+          <a:off x="0" y="0"/>
+          <a:ext cx="0" cy="0"/>
+          <a:chOff x="0" y="0"/>
+          <a:chExt cx="0" cy="0"/>
+        </a:xfrm>
+      </p:grpSpPr>
+      <p:sp>
+        <p:nvSpPr>
+          <p:cNvPr id="2" name="Title 1">
+            <a:extLst>
+              <a:ext uri="{FF2B5EF4-FFF2-40B4-BE49-F238E27FC236}">
+                <a16:creationId xmlns:a16="http://schemas.microsoft.com/office/drawing/2014/main" id="{DD9B8E45-0772-954C-8D4B-6E6808DFEDED}"/>
+              </a:ext>
+            </a:extLst>
+          </p:cNvPr>
+          <p:cNvSpPr>
+            <a:spLocks noGrp="1"/>
+          </p:cNvSpPr>
+          <p:nvPr>
+            <p:ph type="title"/>
+          </p:nvPr>
+        </p:nvSpPr>
+        <p:spPr>
+          <a:xfrm>
+            <a:off x="838200" y="365129"/>
+            <a:ext cx="10002520" cy="1325563"/>
+          </a:xfrm>
+          <a:prstGeom prst="rect">
+            <a:avLst/>
+          </a:prstGeom>
+        </p:spPr>
+        <p:txBody>
+          <a:bodyPr/>
+          <a:lstStyle/>
+          <a:p>
+            <a:pPr lvl="0" indent="0" marL="0">
+              <a:buNone/>
+            </a:pPr>
+            <a:r>
+              <a:rPr/>
               <a:t>Writing up</a:t>
             </a:r>
           </a:p>
@@ -6492,41 +6584,69 @@
             </a:pPr>
             <a:r>
               <a:rPr/>
-              <a:t>1 - Fully Between Designs (any effect of interest)</a:t>
-            </a:r>
-          </a:p>
-        </p:txBody>
-      </p:sp>
-      <p:pic>
-        <p:nvPicPr>
-          <p:cNvPr descr="images/paste-76E70293.png" id="0" name="Picture 1"/>
-          <p:cNvPicPr>
-            <a:picLocks noGrp="1" noChangeAspect="1"/>
-          </p:cNvPicPr>
-          <p:nvPr/>
-        </p:nvPicPr>
-        <p:blipFill>
-          <a:blip r:embed="rId2"/>
-          <a:stretch>
-            <a:fillRect/>
-          </a:stretch>
-        </p:blipFill>
-        <p:spPr bwMode="auto">
-          <a:xfrm>
-            <a:off x="1371600" y="1816100"/>
-            <a:ext cx="9448800" cy="4343400"/>
-          </a:xfrm>
-          <a:prstGeom prst="rect">
-            <a:avLst/>
-          </a:prstGeom>
-          <a:noFill/>
-          <a:ln w="9525">
-            <a:noFill/>
-            <a:headEnd/>
-            <a:tailEnd/>
-          </a:ln>
-        </p:spPr>
-      </p:pic>
+              <a:t>G*Power guide - Key info</a:t>
+            </a:r>
+          </a:p>
+        </p:txBody>
+      </p:sp>
+      <p:sp>
+        <p:nvSpPr>
+          <p:cNvPr id="3" name="Content Placeholder 2">
+            <a:extLst>
+              <a:ext uri="{FF2B5EF4-FFF2-40B4-BE49-F238E27FC236}">
+                <a16:creationId xmlns:a16="http://schemas.microsoft.com/office/drawing/2014/main" id="{A4EB24F9-04F1-C843-9D71-56C5C024552B}"/>
+              </a:ext>
+            </a:extLst>
+          </p:cNvPr>
+          <p:cNvSpPr>
+            <a:spLocks noGrp="1"/>
+          </p:cNvSpPr>
+          <p:nvPr>
+            <p:ph idx="1"/>
+          </p:nvPr>
+        </p:nvSpPr>
+        <p:spPr/>
+        <p:txBody>
+          <a:bodyPr/>
+          <a:lstStyle/>
+          <a:p>
+            <a:pPr lvl="0" indent="0" marL="0">
+              <a:buNone/>
+            </a:pPr>
+            <a:r>
+              <a:rPr/>
+              <a:t>The following slides give you the specifics of what you need to include depending on the effect you are exploring. The only thing you need is the effect size of interest.</a:t>
+            </a:r>
+          </a:p>
+          <a:p>
+            <a:pPr lvl="0" indent="0" marL="0">
+              <a:buNone/>
+            </a:pPr>
+            <a:r>
+              <a:rPr/>
+              <a:t>This is usually gleaned from your target paper (or other literature).</a:t>
+            </a:r>
+          </a:p>
+          <a:p>
+            <a:pPr lvl="0" indent="0" marL="0">
+              <a:buNone/>
+            </a:pPr>
+            <a:r>
+              <a:rPr/>
+              <a:t>You will need to examine each of your effect sizes in your groups and cover the weakest with the the sample size, so the effect that requires the largest sample size will give the group sample size.</a:t>
+            </a:r>
+          </a:p>
+          <a:p>
+            <a:pPr lvl="0" indent="0" marL="0">
+              <a:buNone/>
+            </a:pPr>
+            <a:r>
+              <a:rPr/>
+              <a:t>If you cannot find an effect, you may use a 0.3 f effect size, but this is to be used only when no alternative is available.</a:t>
+            </a:r>
+          </a:p>
+        </p:txBody>
+      </p:sp>
     </p:spTree>
   </p:cSld>
 </p:sld>
@@ -6583,14 +6703,14 @@
             </a:pPr>
             <a:r>
               <a:rPr/>
-              <a:t>Power plot</a:t>
+              <a:t>1 - Fully Between Designs (any effect of interest)</a:t>
             </a:r>
           </a:p>
         </p:txBody>
       </p:sp>
       <p:pic>
         <p:nvPicPr>
-          <p:cNvPr descr="images/paste-838AA707.png" id="0" name="Picture 1"/>
+          <p:cNvPr descr="images/paste-76E70293.png" id="0" name="Picture 1"/>
           <p:cNvPicPr>
             <a:picLocks noGrp="1" noChangeAspect="1"/>
           </p:cNvPicPr>
@@ -6604,8 +6724,8 @@
         </p:blipFill>
         <p:spPr bwMode="auto">
           <a:xfrm>
-            <a:off x="838200" y="1841500"/>
-            <a:ext cx="10515600" cy="4292600"/>
+            <a:off x="1371600" y="1816100"/>
+            <a:ext cx="9448800" cy="4343400"/>
           </a:xfrm>
           <a:prstGeom prst="rect">
             <a:avLst/>
